--- a/Thesis_presentation.pptx
+++ b/Thesis_presentation.pptx
@@ -290,7 +290,7 @@
             <a:fld id="{87DE6118-2437-4B30-8E3C-4D2BE6020583}" type="datetimeFigureOut">
               <a:rPr lang="en-US" dirty="0"/>
               <a:pPr/>
-              <a:t>11/29/23</a:t>
+              <a:t>3/4/24</a:t>
             </a:fld>
             <a:endParaRPr lang="en-US" dirty="0"/>
           </a:p>
@@ -616,7 +616,7 @@
           <a:p>
             <a:fld id="{87DE6118-2437-4B30-8E3C-4D2BE6020583}" type="datetimeFigureOut">
               <a:rPr lang="en-US" dirty="0"/>
-              <a:t>11/29/23</a:t>
+              <a:t>3/4/24</a:t>
             </a:fld>
             <a:endParaRPr lang="en-US" dirty="0"/>
           </a:p>
@@ -791,7 +791,7 @@
           <a:p>
             <a:fld id="{87DE6118-2437-4B30-8E3C-4D2BE6020583}" type="datetimeFigureOut">
               <a:rPr lang="en-US" dirty="0"/>
-              <a:t>11/29/23</a:t>
+              <a:t>3/4/24</a:t>
             </a:fld>
             <a:endParaRPr lang="en-US" dirty="0"/>
           </a:p>
@@ -956,7 +956,7 @@
           <a:p>
             <a:fld id="{87DE6118-2437-4B30-8E3C-4D2BE6020583}" type="datetimeFigureOut">
               <a:rPr lang="en-US" dirty="0"/>
-              <a:t>11/29/23</a:t>
+              <a:t>3/4/24</a:t>
             </a:fld>
             <a:endParaRPr lang="en-US" dirty="0"/>
           </a:p>
@@ -1229,7 +1229,7 @@
             <a:fld id="{87DE6118-2437-4B30-8E3C-4D2BE6020583}" type="datetimeFigureOut">
               <a:rPr lang="en-US" dirty="0"/>
               <a:pPr/>
-              <a:t>11/29/23</a:t>
+              <a:t>3/4/24</a:t>
             </a:fld>
             <a:endParaRPr lang="en-US" dirty="0"/>
           </a:p>
@@ -1619,7 +1619,7 @@
           <a:p>
             <a:fld id="{87DE6118-2437-4B30-8E3C-4D2BE6020583}" type="datetimeFigureOut">
               <a:rPr lang="en-US" dirty="0"/>
-              <a:t>11/29/23</a:t>
+              <a:t>3/4/24</a:t>
             </a:fld>
             <a:endParaRPr lang="en-US" dirty="0"/>
           </a:p>
@@ -2091,7 +2091,7 @@
           <a:p>
             <a:fld id="{87DE6118-2437-4B30-8E3C-4D2BE6020583}" type="datetimeFigureOut">
               <a:rPr lang="en-US" dirty="0"/>
-              <a:t>11/29/23</a:t>
+              <a:t>3/4/24</a:t>
             </a:fld>
             <a:endParaRPr lang="en-US" dirty="0"/>
           </a:p>
@@ -2204,7 +2204,7 @@
           <a:p>
             <a:fld id="{87DE6118-2437-4B30-8E3C-4D2BE6020583}" type="datetimeFigureOut">
               <a:rPr lang="en-US" dirty="0"/>
-              <a:t>11/29/23</a:t>
+              <a:t>3/4/24</a:t>
             </a:fld>
             <a:endParaRPr lang="en-US" dirty="0"/>
           </a:p>
@@ -2294,7 +2294,7 @@
           <a:p>
             <a:fld id="{87DE6118-2437-4B30-8E3C-4D2BE6020583}" type="datetimeFigureOut">
               <a:rPr lang="en-US" dirty="0"/>
-              <a:t>11/29/23</a:t>
+              <a:t>3/4/24</a:t>
             </a:fld>
             <a:endParaRPr lang="en-US" dirty="0"/>
           </a:p>
@@ -2636,7 +2636,7 @@
             <a:fld id="{87DE6118-2437-4B30-8E3C-4D2BE6020583}" type="datetimeFigureOut">
               <a:rPr lang="en-US" dirty="0"/>
               <a:pPr/>
-              <a:t>11/29/23</a:t>
+              <a:t>3/4/24</a:t>
             </a:fld>
             <a:endParaRPr lang="en-US" dirty="0"/>
           </a:p>
@@ -3021,7 +3021,7 @@
             <a:fld id="{87DE6118-2437-4B30-8E3C-4D2BE6020583}" type="datetimeFigureOut">
               <a:rPr lang="en-US" dirty="0"/>
               <a:pPr/>
-              <a:t>11/29/23</a:t>
+              <a:t>3/4/24</a:t>
             </a:fld>
             <a:endParaRPr lang="en-US" dirty="0"/>
           </a:p>
@@ -3296,7 +3296,7 @@
             <a:fld id="{87DE6118-2437-4B30-8E3C-4D2BE6020583}" type="datetimeFigureOut">
               <a:rPr lang="en-US" dirty="0"/>
               <a:pPr/>
-              <a:t>11/29/23</a:t>
+              <a:t>3/4/24</a:t>
             </a:fld>
             <a:endParaRPr lang="en-US" dirty="0"/>
           </a:p>
@@ -4806,80 +4806,363 @@
           </a:p>
         </p:txBody>
       </p:sp>
-      <p:sp>
-        <p:nvSpPr>
-          <p:cNvPr id="3" name="Content Placeholder 2">
-            <a:extLst>
-              <a:ext uri="{FF2B5EF4-FFF2-40B4-BE49-F238E27FC236}">
-                <a16:creationId xmlns:a16="http://schemas.microsoft.com/office/drawing/2014/main" id="{78EA3AA9-4329-4E31-7C60-77F4DBA29318}"/>
-              </a:ext>
-            </a:extLst>
-          </p:cNvPr>
-          <p:cNvSpPr>
-            <a:spLocks noGrp="1"/>
-          </p:cNvSpPr>
-          <p:nvPr>
-            <p:ph idx="1"/>
-          </p:nvPr>
-        </p:nvSpPr>
-        <p:spPr>
-          <a:xfrm>
-            <a:off x="1371600" y="1684962"/>
-            <a:ext cx="9601200" cy="4182438"/>
-          </a:xfrm>
-        </p:spPr>
-        <p:txBody>
-          <a:bodyPr/>
-          <a:lstStyle/>
-          <a:p>
-            <a:r>
-              <a:rPr lang="en-US" dirty="0">
-                <a:latin typeface="Helvetica" pitchFamily="2" charset="0"/>
-              </a:rPr>
-              <a:t>Initial Regression</a:t>
-            </a:r>
-          </a:p>
-          <a:p>
-            <a:pPr lvl="1"/>
-            <a:r>
-              <a:rPr lang="en-US" i="0" dirty="0">
-                <a:latin typeface="Helvetica" pitchFamily="2" charset="0"/>
-              </a:rPr>
-              <a:t>Percentage of female borrowers on GLP</a:t>
-            </a:r>
-          </a:p>
-          <a:p>
-            <a:r>
-              <a:rPr lang="en-US" dirty="0">
-                <a:latin typeface="Helvetica" pitchFamily="2" charset="0"/>
-              </a:rPr>
-              <a:t>Time and MFI/country/region fixed effects</a:t>
-            </a:r>
-          </a:p>
-          <a:p>
-            <a:r>
-              <a:rPr lang="en-US" dirty="0">
-                <a:latin typeface="Helvetica" pitchFamily="2" charset="0"/>
-              </a:rPr>
-              <a:t>Instrument: Interest Rates</a:t>
-            </a:r>
-          </a:p>
-          <a:p>
-            <a:pPr lvl="1"/>
-            <a:r>
-              <a:rPr lang="en-US" i="0" dirty="0">
-                <a:latin typeface="Helvetica" pitchFamily="2" charset="0"/>
-              </a:rPr>
-              <a:t>Data from International Monetary Fund</a:t>
-            </a:r>
-          </a:p>
-          <a:p>
-            <a:endParaRPr lang="en-US" i="0" dirty="0">
-              <a:latin typeface="Helvetica" pitchFamily="2" charset="0"/>
-            </a:endParaRPr>
-          </a:p>
-        </p:txBody>
-      </p:sp>
+      <mc:AlternateContent xmlns:mc="http://schemas.openxmlformats.org/markup-compatibility/2006" xmlns:a14="http://schemas.microsoft.com/office/drawing/2010/main">
+        <mc:Choice Requires="a14">
+          <p:sp>
+            <p:nvSpPr>
+              <p:cNvPr id="3" name="Content Placeholder 2">
+                <a:extLst>
+                  <a:ext uri="{FF2B5EF4-FFF2-40B4-BE49-F238E27FC236}">
+                    <a16:creationId xmlns:a16="http://schemas.microsoft.com/office/drawing/2014/main" id="{78EA3AA9-4329-4E31-7C60-77F4DBA29318}"/>
+                  </a:ext>
+                </a:extLst>
+              </p:cNvPr>
+              <p:cNvSpPr>
+                <a:spLocks noGrp="1"/>
+              </p:cNvSpPr>
+              <p:nvPr>
+                <p:ph idx="1"/>
+              </p:nvPr>
+            </p:nvSpPr>
+            <p:spPr>
+              <a:xfrm>
+                <a:off x="1371600" y="1684962"/>
+                <a:ext cx="9601200" cy="4182438"/>
+              </a:xfrm>
+            </p:spPr>
+            <p:txBody>
+              <a:bodyPr/>
+              <a:lstStyle/>
+              <a:p>
+                <a:pPr marL="9525" indent="0">
+                  <a:buNone/>
+                </a:pPr>
+                <a:endParaRPr lang="en-US" i="1" dirty="0">
+                  <a:latin typeface="Cambria Math" panose="02040503050406030204" pitchFamily="18" charset="0"/>
+                </a:endParaRPr>
+              </a:p>
+              <a:p>
+                <a:pPr marL="9525" indent="0">
+                  <a:buNone/>
+                </a:pPr>
+                <a:r>
+                  <a:rPr lang="en-US" dirty="0">
+                    <a:latin typeface="Cambria Math" panose="02040503050406030204" pitchFamily="18" charset="0"/>
+                  </a:rPr>
+                  <a:t>Fixed Effects</a:t>
+                </a:r>
+              </a:p>
+              <a:p>
+                <a:pPr marL="9525" indent="0">
+                  <a:buNone/>
+                </a:pPr>
+                <a:endParaRPr lang="en-US" dirty="0">
+                  <a:latin typeface="Cambria Math" panose="02040503050406030204" pitchFamily="18" charset="0"/>
+                </a:endParaRPr>
+              </a:p>
+              <a:p>
+                <a:pPr marL="9525" indent="0">
+                  <a:buNone/>
+                </a:pPr>
+                <a14:m>
+                  <m:oMathPara xmlns:m="http://schemas.openxmlformats.org/officeDocument/2006/math">
+                    <m:oMathParaPr>
+                      <m:jc m:val="centerGroup"/>
+                    </m:oMathParaPr>
+                    <m:oMath xmlns:m="http://schemas.openxmlformats.org/officeDocument/2006/math">
+                      <m:sSub>
+                        <m:sSubPr>
+                          <m:ctrlPr>
+                            <a:rPr lang="en-US" i="1" smtClean="0">
+                              <a:latin typeface="Cambria Math" panose="02040503050406030204" pitchFamily="18" charset="0"/>
+                            </a:rPr>
+                          </m:ctrlPr>
+                        </m:sSubPr>
+                        <m:e>
+                          <m:r>
+                            <a:rPr lang="en-US" b="0" i="1" smtClean="0">
+                              <a:latin typeface="Cambria Math" panose="02040503050406030204" pitchFamily="18" charset="0"/>
+                            </a:rPr>
+                            <m:t>𝑌</m:t>
+                          </m:r>
+                        </m:e>
+                        <m:sub>
+                          <m:r>
+                            <a:rPr lang="en-US" b="0" i="1" smtClean="0">
+                              <a:latin typeface="Cambria Math" panose="02040503050406030204" pitchFamily="18" charset="0"/>
+                            </a:rPr>
+                            <m:t>𝑖𝑡</m:t>
+                          </m:r>
+                        </m:sub>
+                      </m:sSub>
+                      <m:r>
+                        <a:rPr lang="en-US" b="0" i="1" smtClean="0">
+                          <a:latin typeface="Cambria Math" panose="02040503050406030204" pitchFamily="18" charset="0"/>
+                        </a:rPr>
+                        <m:t>= </m:t>
+                      </m:r>
+                      <m:sSub>
+                        <m:sSubPr>
+                          <m:ctrlPr>
+                            <a:rPr lang="en-US" i="1" smtClean="0">
+                              <a:latin typeface="Cambria Math" panose="02040503050406030204" pitchFamily="18" charset="0"/>
+                              <a:ea typeface="Cambria Math" panose="02040503050406030204" pitchFamily="18" charset="0"/>
+                            </a:rPr>
+                          </m:ctrlPr>
+                        </m:sSubPr>
+                        <m:e>
+                          <m:r>
+                            <a:rPr lang="en-US" b="0" i="1" smtClean="0">
+                              <a:latin typeface="Cambria Math" panose="02040503050406030204" pitchFamily="18" charset="0"/>
+                              <a:ea typeface="Cambria Math" panose="02040503050406030204" pitchFamily="18" charset="0"/>
+                            </a:rPr>
+                            <m:t>𝛽</m:t>
+                          </m:r>
+                        </m:e>
+                        <m:sub>
+                          <m:r>
+                            <a:rPr lang="en-US" b="0" i="1" smtClean="0">
+                              <a:latin typeface="Cambria Math" panose="02040503050406030204" pitchFamily="18" charset="0"/>
+                              <a:ea typeface="Cambria Math" panose="02040503050406030204" pitchFamily="18" charset="0"/>
+                            </a:rPr>
+                            <m:t>0</m:t>
+                          </m:r>
+                        </m:sub>
+                      </m:sSub>
+                      <m:r>
+                        <a:rPr lang="en-US" b="0" i="1" smtClean="0">
+                          <a:latin typeface="Cambria Math" panose="02040503050406030204" pitchFamily="18" charset="0"/>
+                          <a:ea typeface="Cambria Math" panose="02040503050406030204" pitchFamily="18" charset="0"/>
+                        </a:rPr>
+                        <m:t>+ </m:t>
+                      </m:r>
+                      <m:sSub>
+                        <m:sSubPr>
+                          <m:ctrlPr>
+                            <a:rPr lang="en-US" i="1" smtClean="0">
+                              <a:latin typeface="Cambria Math" panose="02040503050406030204" pitchFamily="18" charset="0"/>
+                              <a:ea typeface="Cambria Math" panose="02040503050406030204" pitchFamily="18" charset="0"/>
+                            </a:rPr>
+                          </m:ctrlPr>
+                        </m:sSubPr>
+                        <m:e>
+                          <m:r>
+                            <a:rPr lang="en-US" b="0" i="1" smtClean="0">
+                              <a:latin typeface="Cambria Math" panose="02040503050406030204" pitchFamily="18" charset="0"/>
+                              <a:ea typeface="Cambria Math" panose="02040503050406030204" pitchFamily="18" charset="0"/>
+                            </a:rPr>
+                            <m:t>𝛽</m:t>
+                          </m:r>
+                        </m:e>
+                        <m:sub>
+                          <m:r>
+                            <a:rPr lang="en-US" b="0" i="1" smtClean="0">
+                              <a:latin typeface="Cambria Math" panose="02040503050406030204" pitchFamily="18" charset="0"/>
+                              <a:ea typeface="Cambria Math" panose="02040503050406030204" pitchFamily="18" charset="0"/>
+                            </a:rPr>
+                            <m:t>1</m:t>
+                          </m:r>
+                        </m:sub>
+                      </m:sSub>
+                      <m:r>
+                        <a:rPr lang="en-US" b="0" i="1" smtClean="0">
+                          <a:latin typeface="Cambria Math" panose="02040503050406030204" pitchFamily="18" charset="0"/>
+                          <a:ea typeface="Cambria Math" panose="02040503050406030204" pitchFamily="18" charset="0"/>
+                        </a:rPr>
+                        <m:t>∗</m:t>
+                      </m:r>
+                      <m:r>
+                        <a:rPr lang="en-US" b="0" i="1" smtClean="0">
+                          <a:latin typeface="Cambria Math" panose="02040503050406030204" pitchFamily="18" charset="0"/>
+                          <a:ea typeface="Cambria Math" panose="02040503050406030204" pitchFamily="18" charset="0"/>
+                        </a:rPr>
+                        <m:t>𝑙𝑜𝑔</m:t>
+                      </m:r>
+                      <m:d>
+                        <m:dPr>
+                          <m:ctrlPr>
+                            <a:rPr lang="en-US" i="1" smtClean="0">
+                              <a:latin typeface="Cambria Math" panose="02040503050406030204" pitchFamily="18" charset="0"/>
+                              <a:ea typeface="Cambria Math" panose="02040503050406030204" pitchFamily="18" charset="0"/>
+                            </a:rPr>
+                          </m:ctrlPr>
+                        </m:dPr>
+                        <m:e>
+                          <m:r>
+                            <a:rPr lang="en-US" b="0" i="1" smtClean="0">
+                              <a:latin typeface="Cambria Math" panose="02040503050406030204" pitchFamily="18" charset="0"/>
+                              <a:ea typeface="Cambria Math" panose="02040503050406030204" pitchFamily="18" charset="0"/>
+                            </a:rPr>
+                            <m:t>𝐺𝐿𝑃</m:t>
+                          </m:r>
+                        </m:e>
+                      </m:d>
+                      <m:r>
+                        <a:rPr lang="en-US" b="0" i="1" smtClean="0">
+                          <a:latin typeface="Cambria Math" panose="02040503050406030204" pitchFamily="18" charset="0"/>
+                          <a:ea typeface="Cambria Math" panose="02040503050406030204" pitchFamily="18" charset="0"/>
+                        </a:rPr>
+                        <m:t>+ </m:t>
+                      </m:r>
+                      <m:sSub>
+                        <m:sSubPr>
+                          <m:ctrlPr>
+                            <a:rPr lang="en-US" i="1" smtClean="0">
+                              <a:latin typeface="Cambria Math" panose="02040503050406030204" pitchFamily="18" charset="0"/>
+                              <a:ea typeface="Cambria Math" panose="02040503050406030204" pitchFamily="18" charset="0"/>
+                            </a:rPr>
+                          </m:ctrlPr>
+                        </m:sSubPr>
+                        <m:e>
+                          <m:r>
+                            <a:rPr lang="en-US" b="0" i="1" smtClean="0">
+                              <a:latin typeface="Cambria Math" panose="02040503050406030204" pitchFamily="18" charset="0"/>
+                              <a:ea typeface="Cambria Math" panose="02040503050406030204" pitchFamily="18" charset="0"/>
+                            </a:rPr>
+                            <m:t>𝛼</m:t>
+                          </m:r>
+                        </m:e>
+                        <m:sub>
+                          <m:r>
+                            <a:rPr lang="en-US" b="0" i="1" smtClean="0">
+                              <a:latin typeface="Cambria Math" panose="02040503050406030204" pitchFamily="18" charset="0"/>
+                              <a:ea typeface="Cambria Math" panose="02040503050406030204" pitchFamily="18" charset="0"/>
+                            </a:rPr>
+                            <m:t>𝑖</m:t>
+                          </m:r>
+                        </m:sub>
+                      </m:sSub>
+                      <m:r>
+                        <a:rPr lang="en-US" b="0" i="1" smtClean="0">
+                          <a:latin typeface="Cambria Math" panose="02040503050406030204" pitchFamily="18" charset="0"/>
+                          <a:ea typeface="Cambria Math" panose="02040503050406030204" pitchFamily="18" charset="0"/>
+                        </a:rPr>
+                        <m:t>+ </m:t>
+                      </m:r>
+                      <m:sSub>
+                        <m:sSubPr>
+                          <m:ctrlPr>
+                            <a:rPr lang="en-US" i="1" smtClean="0">
+                              <a:latin typeface="Cambria Math" panose="02040503050406030204" pitchFamily="18" charset="0"/>
+                              <a:ea typeface="Cambria Math" panose="02040503050406030204" pitchFamily="18" charset="0"/>
+                            </a:rPr>
+                          </m:ctrlPr>
+                        </m:sSubPr>
+                        <m:e>
+                          <m:r>
+                            <a:rPr lang="en-US" b="0" i="1" smtClean="0">
+                              <a:latin typeface="Cambria Math" panose="02040503050406030204" pitchFamily="18" charset="0"/>
+                              <a:ea typeface="Cambria Math" panose="02040503050406030204" pitchFamily="18" charset="0"/>
+                            </a:rPr>
+                            <m:t>𝜆</m:t>
+                          </m:r>
+                        </m:e>
+                        <m:sub>
+                          <m:r>
+                            <a:rPr lang="en-US" b="0" i="1" smtClean="0">
+                              <a:latin typeface="Cambria Math" panose="02040503050406030204" pitchFamily="18" charset="0"/>
+                              <a:ea typeface="Cambria Math" panose="02040503050406030204" pitchFamily="18" charset="0"/>
+                            </a:rPr>
+                            <m:t>𝑡</m:t>
+                          </m:r>
+                        </m:sub>
+                      </m:sSub>
+                      <m:r>
+                        <a:rPr lang="en-US" b="0" i="1" smtClean="0">
+                          <a:latin typeface="Cambria Math" panose="02040503050406030204" pitchFamily="18" charset="0"/>
+                          <a:ea typeface="Cambria Math" panose="02040503050406030204" pitchFamily="18" charset="0"/>
+                        </a:rPr>
+                        <m:t>+ </m:t>
+                      </m:r>
+                      <m:sSub>
+                        <m:sSubPr>
+                          <m:ctrlPr>
+                            <a:rPr lang="en-US" i="1" smtClean="0">
+                              <a:latin typeface="Cambria Math" panose="02040503050406030204" pitchFamily="18" charset="0"/>
+                              <a:ea typeface="Cambria Math" panose="02040503050406030204" pitchFamily="18" charset="0"/>
+                            </a:rPr>
+                          </m:ctrlPr>
+                        </m:sSubPr>
+                        <m:e>
+                          <m:r>
+                            <a:rPr lang="en-US" b="0" i="1" smtClean="0">
+                              <a:latin typeface="Cambria Math" panose="02040503050406030204" pitchFamily="18" charset="0"/>
+                              <a:ea typeface="Cambria Math" panose="02040503050406030204" pitchFamily="18" charset="0"/>
+                            </a:rPr>
+                            <m:t>𝜀</m:t>
+                          </m:r>
+                        </m:e>
+                        <m:sub>
+                          <m:r>
+                            <a:rPr lang="en-US" b="0" i="1" smtClean="0">
+                              <a:latin typeface="Cambria Math" panose="02040503050406030204" pitchFamily="18" charset="0"/>
+                              <a:ea typeface="Cambria Math" panose="02040503050406030204" pitchFamily="18" charset="0"/>
+                            </a:rPr>
+                            <m:t>𝑖𝑡</m:t>
+                          </m:r>
+                        </m:sub>
+                      </m:sSub>
+                    </m:oMath>
+                  </m:oMathPara>
+                </a14:m>
+                <a:endParaRPr lang="en-US" i="0" dirty="0">
+                  <a:latin typeface="Helvetica" pitchFamily="2" charset="0"/>
+                  <a:ea typeface="Cambria Math" panose="02040503050406030204" pitchFamily="18" charset="0"/>
+                </a:endParaRPr>
+              </a:p>
+              <a:p>
+                <a:pPr marL="382588" indent="-373063"/>
+                <a:endParaRPr lang="en-US" b="1" i="0" dirty="0">
+                  <a:latin typeface="Helvetica" pitchFamily="2" charset="0"/>
+                </a:endParaRPr>
+              </a:p>
+            </p:txBody>
+          </p:sp>
+        </mc:Choice>
+        <mc:Fallback xmlns="">
+          <p:sp>
+            <p:nvSpPr>
+              <p:cNvPr id="3" name="Content Placeholder 2">
+                <a:extLst>
+                  <a:ext uri="{FF2B5EF4-FFF2-40B4-BE49-F238E27FC236}">
+                    <a16:creationId xmlns:a16="http://schemas.microsoft.com/office/drawing/2014/main" id="{78EA3AA9-4329-4E31-7C60-77F4DBA29318}"/>
+                  </a:ext>
+                </a:extLst>
+              </p:cNvPr>
+              <p:cNvSpPr>
+                <a:spLocks noGrp="1" noRot="1" noChangeAspect="1" noMove="1" noResize="1" noEditPoints="1" noAdjustHandles="1" noChangeArrowheads="1" noChangeShapeType="1" noTextEdit="1"/>
+              </p:cNvSpPr>
+              <p:nvPr>
+                <p:ph idx="1"/>
+              </p:nvPr>
+            </p:nvSpPr>
+            <p:spPr>
+              <a:xfrm>
+                <a:off x="1371600" y="1684962"/>
+                <a:ext cx="9601200" cy="4182438"/>
+              </a:xfrm>
+              <a:blipFill>
+                <a:blip r:embed="rId2"/>
+                <a:stretch>
+                  <a:fillRect l="-661"/>
+                </a:stretch>
+              </a:blipFill>
+            </p:spPr>
+            <p:txBody>
+              <a:bodyPr/>
+              <a:lstStyle/>
+              <a:p>
+                <a:r>
+                  <a:rPr lang="en-US">
+                    <a:noFill/>
+                  </a:rPr>
+                  <a:t> </a:t>
+                </a:r>
+              </a:p>
+            </p:txBody>
+          </p:sp>
+        </mc:Fallback>
+      </mc:AlternateContent>
     </p:spTree>
     <p:extLst>
       <p:ext uri="{BB962C8B-B14F-4D97-AF65-F5344CB8AC3E}">
